--- a/PPT.pptx
+++ b/PPT.pptx
@@ -15,7 +15,7 @@
     <p:sldMasterId id="2147483668" r:id="rId11"/>
   </p:sldMasterIdLst>
   <p:notesMasterIdLst>
-    <p:notesMasterId r:id="rId23"/>
+    <p:notesMasterId r:id="rId24"/>
   </p:notesMasterIdLst>
   <p:sldIdLst>
     <p:sldId id="256" r:id="rId12"/>
@@ -27,8 +27,9 @@
     <p:sldId id="262" r:id="rId18"/>
     <p:sldId id="263" r:id="rId19"/>
     <p:sldId id="264" r:id="rId20"/>
-    <p:sldId id="265" r:id="rId21"/>
-    <p:sldId id="266" r:id="rId22"/>
+    <p:sldId id="267" r:id="rId21"/>
+    <p:sldId id="265" r:id="rId22"/>
+    <p:sldId id="266" r:id="rId23"/>
   </p:sldIdLst>
   <p:sldSz cx="12192000" cy="6858000"/>
   <p:notesSz cx="7559675" cy="10691813"/>
@@ -8815,6 +8816,234 @@
       </p:grpSpPr>
       <p:sp>
         <p:nvSpPr>
+          <p:cNvPr id="4" name="Rectángulo 5">
+            <a:extLst>
+              <a:ext uri="{FF2B5EF4-FFF2-40B4-BE49-F238E27FC236}">
+                <a16:creationId xmlns:a16="http://schemas.microsoft.com/office/drawing/2014/main" id="{FEAC7CB0-5F8E-A86C-4F31-EAC92F88389C}"/>
+              </a:ext>
+            </a:extLst>
+          </p:cNvPr>
+          <p:cNvSpPr/>
+          <p:nvPr/>
+        </p:nvSpPr>
+        <p:spPr>
+          <a:xfrm>
+            <a:off x="0" y="0"/>
+            <a:ext cx="12191400" cy="6857280"/>
+          </a:xfrm>
+          <a:prstGeom prst="rect">
+            <a:avLst/>
+          </a:prstGeom>
+          <a:solidFill>
+            <a:schemeClr val="accent2">
+              <a:lumMod val="20000"/>
+              <a:lumOff val="80000"/>
+            </a:schemeClr>
+          </a:solidFill>
+          <a:ln>
+            <a:solidFill>
+              <a:srgbClr val="325490"/>
+            </a:solidFill>
+          </a:ln>
+        </p:spPr>
+        <p:style>
+          <a:lnRef idx="2">
+            <a:schemeClr val="accent1">
+              <a:shade val="50000"/>
+            </a:schemeClr>
+          </a:lnRef>
+          <a:fillRef idx="1">
+            <a:schemeClr val="accent1"/>
+          </a:fillRef>
+          <a:effectRef idx="0">
+            <a:schemeClr val="accent1"/>
+          </a:effectRef>
+          <a:fontRef idx="minor"/>
+        </p:style>
+        <p:txBody>
+          <a:bodyPr lIns="90000" tIns="45000" rIns="90000" bIns="45000" anchor="ctr">
+            <a:noAutofit/>
+          </a:bodyPr>
+          <a:lstStyle/>
+          <a:p>
+            <a:pPr algn="ctr" defTabSz="914400">
+              <a:lnSpc>
+                <a:spcPct val="100000"/>
+              </a:lnSpc>
+            </a:pPr>
+            <a:endParaRPr lang="es-ES" sz="1800" b="0" strike="noStrike" spc="-1" dirty="0">
+              <a:solidFill>
+                <a:schemeClr val="lt1"/>
+              </a:solidFill>
+              <a:latin typeface="Calibri"/>
+            </a:endParaRPr>
+          </a:p>
+        </p:txBody>
+      </p:sp>
+      <p:sp>
+        <p:nvSpPr>
+          <p:cNvPr id="5" name="CuadroTexto 4">
+            <a:extLst>
+              <a:ext uri="{FF2B5EF4-FFF2-40B4-BE49-F238E27FC236}">
+                <a16:creationId xmlns:a16="http://schemas.microsoft.com/office/drawing/2014/main" id="{C4E6C1ED-F7A8-6776-5C21-E976C13303CC}"/>
+              </a:ext>
+            </a:extLst>
+          </p:cNvPr>
+          <p:cNvSpPr txBox="1"/>
+          <p:nvPr/>
+        </p:nvSpPr>
+        <p:spPr>
+          <a:xfrm>
+            <a:off x="468086" y="239485"/>
+            <a:ext cx="11016344" cy="2308324"/>
+          </a:xfrm>
+          <a:prstGeom prst="rect">
+            <a:avLst/>
+          </a:prstGeom>
+          <a:noFill/>
+        </p:spPr>
+        <p:txBody>
+          <a:bodyPr wrap="square" rtlCol="0">
+            <a:spAutoFit/>
+          </a:bodyPr>
+          <a:lstStyle/>
+          <a:p>
+            <a:r>
+              <a:rPr lang="es-ES" dirty="0"/>
+              <a:t>Se analizó la variable </a:t>
+            </a:r>
+            <a:r>
+              <a:rPr lang="es-ES" b="1" dirty="0" err="1"/>
+              <a:t>minimum_nights</a:t>
+            </a:r>
+            <a:r>
+              <a:rPr lang="es-ES" dirty="0"/>
+              <a:t> (noches mínimas exigidas para reservar) para explorar posibles patrones por distrito: primero con un histograma (acotado a </a:t>
+            </a:r>
+            <a:r>
+              <a:rPr lang="es-ES" b="1" dirty="0"/>
+              <a:t>1–30 noches</a:t>
+            </a:r>
+            <a:r>
+              <a:rPr lang="es-ES" dirty="0"/>
+              <a:t> para interpretar mejor la distribución) y después con un </a:t>
+            </a:r>
+            <a:r>
+              <a:rPr lang="es-ES" b="1" dirty="0" err="1"/>
+              <a:t>scatter</a:t>
+            </a:r>
+            <a:r>
+              <a:rPr lang="es-ES" dirty="0"/>
+              <a:t> por latitud/longitud categorizando las estancias (</a:t>
+            </a:r>
+            <a:r>
+              <a:rPr lang="es-ES" b="1" dirty="0"/>
+              <a:t>1–3</a:t>
+            </a:r>
+            <a:r>
+              <a:rPr lang="es-ES" dirty="0"/>
+              <a:t>, </a:t>
+            </a:r>
+            <a:r>
+              <a:rPr lang="es-ES" b="1" dirty="0"/>
+              <a:t>4–7</a:t>
+            </a:r>
+            <a:r>
+              <a:rPr lang="es-ES" dirty="0"/>
+              <a:t>, </a:t>
+            </a:r>
+            <a:r>
+              <a:rPr lang="es-ES" b="1" dirty="0"/>
+              <a:t>8+</a:t>
+            </a:r>
+            <a:r>
+              <a:rPr lang="es-ES" dirty="0"/>
+              <a:t>). En conjunto, </a:t>
+            </a:r>
+            <a:r>
+              <a:rPr lang="es-ES" b="1" dirty="0"/>
+              <a:t>no se observa una relación directa</a:t>
+            </a:r>
+            <a:r>
+              <a:rPr lang="es-ES" dirty="0"/>
+              <a:t> entre las noches mínimas y el </a:t>
+            </a:r>
+            <a:r>
+              <a:rPr lang="es-ES" b="1" dirty="0"/>
+              <a:t>precio medio del m²</a:t>
+            </a:r>
+            <a:r>
+              <a:rPr lang="es-ES" dirty="0"/>
+              <a:t> por distrito; sin embargo, sí aparece un patrón consistente: los distritos con </a:t>
+            </a:r>
+            <a:r>
+              <a:rPr lang="es-ES" b="1" dirty="0"/>
+              <a:t>mayor concentración de anuncios de Airbnb</a:t>
+            </a:r>
+            <a:r>
+              <a:rPr lang="es-ES" dirty="0"/>
+              <a:t> coinciden con los que acumulan más alojamientos de </a:t>
+            </a:r>
+            <a:r>
+              <a:rPr lang="es-ES" b="1" dirty="0"/>
+              <a:t>estancia mínima baja (especialmente 1 noche)</a:t>
+            </a:r>
+            <a:r>
+              <a:rPr lang="es-ES" dirty="0"/>
+              <a:t>, lo que sugiere una mayor orientación a estancias cortas y rotación turística en zonas como </a:t>
+            </a:r>
+            <a:r>
+              <a:rPr lang="es-ES" b="1" dirty="0"/>
+              <a:t>Centro</a:t>
+            </a:r>
+            <a:r>
+              <a:rPr lang="es-ES" dirty="0"/>
+              <a:t> y otros distritos de alta demanda (p. ej., </a:t>
+            </a:r>
+            <a:r>
+              <a:rPr lang="es-ES" b="1" dirty="0"/>
+              <a:t>Salamanca, Chamberí, Retiro, Tetuán</a:t>
+            </a:r>
+            <a:r>
+              <a:rPr lang="es-ES" dirty="0"/>
+              <a:t>).</a:t>
+            </a:r>
+            <a:endParaRPr lang="es-CL" dirty="0"/>
+          </a:p>
+        </p:txBody>
+      </p:sp>
+    </p:spTree>
+    <p:extLst>
+      <p:ext uri="{BB962C8B-B14F-4D97-AF65-F5344CB8AC3E}">
+        <p14:creationId xmlns:p14="http://schemas.microsoft.com/office/powerpoint/2010/main" val="2638113241"/>
+      </p:ext>
+    </p:extLst>
+  </p:cSld>
+  <p:clrMapOvr>
+    <a:masterClrMapping/>
+  </p:clrMapOvr>
+</p:sld>
+</file>
+
+<file path=ppt/slides/slide11.xml><?xml version="1.0" encoding="utf-8"?>
+<p:sld xmlns:a="http://schemas.openxmlformats.org/drawingml/2006/main" xmlns:r="http://schemas.openxmlformats.org/officeDocument/2006/relationships" xmlns:p="http://schemas.openxmlformats.org/presentationml/2006/main">
+  <p:cSld>
+    <p:spTree>
+      <p:nvGrpSpPr>
+        <p:cNvPr id="1" name=""/>
+        <p:cNvGrpSpPr/>
+        <p:nvPr/>
+      </p:nvGrpSpPr>
+      <p:grpSpPr>
+        <a:xfrm>
+          <a:off x="0" y="0"/>
+          <a:ext cx="0" cy="0"/>
+          <a:chOff x="0" y="0"/>
+          <a:chExt cx="0" cy="0"/>
+        </a:xfrm>
+      </p:grpSpPr>
+      <p:sp>
+        <p:nvSpPr>
           <p:cNvPr id="98" name="Rectángulo 5"/>
           <p:cNvSpPr/>
           <p:nvPr/>
@@ -14000,7 +14229,7 @@
 </p:sld>
 </file>
 
-<file path=ppt/slides/slide11.xml><?xml version="1.0" encoding="utf-8"?>
+<file path=ppt/slides/slide12.xml><?xml version="1.0" encoding="utf-8"?>
 <p:sld xmlns:a="http://schemas.openxmlformats.org/drawingml/2006/main" xmlns:r="http://schemas.openxmlformats.org/officeDocument/2006/relationships" xmlns:p="http://schemas.openxmlformats.org/presentationml/2006/main">
   <p:cSld>
     <p:spTree>

--- a/PPT.pptx
+++ b/PPT.pptx
@@ -675,6 +675,90 @@
 </p:notes>
 </file>
 
+<file path=ppt/notesSlides/notesSlide3.xml><?xml version="1.0" encoding="utf-8"?>
+<p:notes xmlns:a="http://schemas.openxmlformats.org/drawingml/2006/main" xmlns:r="http://schemas.openxmlformats.org/officeDocument/2006/relationships" xmlns:p="http://schemas.openxmlformats.org/presentationml/2006/main">
+  <p:cSld>
+    <p:spTree>
+      <p:nvGrpSpPr>
+        <p:cNvPr id="1" name=""/>
+        <p:cNvGrpSpPr/>
+        <p:nvPr/>
+      </p:nvGrpSpPr>
+      <p:grpSpPr>
+        <a:xfrm>
+          <a:off x="0" y="0"/>
+          <a:ext cx="0" cy="0"/>
+          <a:chOff x="0" y="0"/>
+          <a:chExt cx="0" cy="0"/>
+        </a:xfrm>
+      </p:grpSpPr>
+      <p:sp>
+        <p:nvSpPr>
+          <p:cNvPr id="2" name="Marcador de imagen de diapositiva 1"/>
+          <p:cNvSpPr>
+            <a:spLocks noGrp="1" noRot="1" noChangeAspect="1"/>
+          </p:cNvSpPr>
+          <p:nvPr>
+            <p:ph type="sldImg"/>
+          </p:nvPr>
+        </p:nvSpPr>
+        <p:spPr/>
+      </p:sp>
+      <p:sp>
+        <p:nvSpPr>
+          <p:cNvPr id="3" name="Marcador de notas 2"/>
+          <p:cNvSpPr>
+            <a:spLocks noGrp="1"/>
+          </p:cNvSpPr>
+          <p:nvPr>
+            <p:ph type="body" idx="1"/>
+          </p:nvPr>
+        </p:nvSpPr>
+        <p:spPr/>
+        <p:txBody>
+          <a:bodyPr/>
+          <a:lstStyle/>
+          <a:p>
+            <a:endParaRPr lang="es-CL" dirty="0"/>
+          </a:p>
+        </p:txBody>
+      </p:sp>
+      <p:sp>
+        <p:nvSpPr>
+          <p:cNvPr id="4" name="Marcador de número de diapositiva 3"/>
+          <p:cNvSpPr>
+            <a:spLocks noGrp="1"/>
+          </p:cNvSpPr>
+          <p:nvPr>
+            <p:ph type="sldNum" sz="quarter" idx="5"/>
+          </p:nvPr>
+        </p:nvSpPr>
+        <p:spPr/>
+        <p:txBody>
+          <a:bodyPr/>
+          <a:lstStyle/>
+          <a:p>
+            <a:fld id="{F9D43393-09C1-415A-8C48-FC3CFFE955BD}" type="slidenum">
+              <a:rPr lang="es-ES" smtClean="0"/>
+              <a:t>11</a:t>
+            </a:fld>
+            <a:endParaRPr lang="es-ES"/>
+          </a:p>
+        </p:txBody>
+      </p:sp>
+    </p:spTree>
+    <p:extLst>
+      <p:ext uri="{BB962C8B-B14F-4D97-AF65-F5344CB8AC3E}">
+        <p14:creationId xmlns:p14="http://schemas.microsoft.com/office/powerpoint/2010/main" val="2861897736"/>
+      </p:ext>
+    </p:extLst>
+  </p:cSld>
+  <p:clrMapOvr>
+    <a:masterClrMapping/>
+  </p:clrMapOvr>
+</p:notes>
+</file>
+
 <file path=ppt/slideLayouts/slideLayout1.xml><?xml version="1.0" encoding="utf-8"?>
 <p:sldLayout xmlns:a="http://schemas.openxmlformats.org/drawingml/2006/main" xmlns:r="http://schemas.openxmlformats.org/officeDocument/2006/relationships" xmlns:p="http://schemas.openxmlformats.org/presentationml/2006/main" type="title" preserve="1">
   <p:cSld name="Diapositiva de título">
@@ -14044,7 +14128,7 @@
         </p:nvSpPr>
         <p:spPr>
           <a:xfrm>
-            <a:off x="600" y="0"/>
+            <a:off x="0" y="0"/>
             <a:ext cx="12191400" cy="6857280"/>
           </a:xfrm>
           <a:prstGeom prst="rect">
@@ -14087,7 +14171,7 @@
                 <a:spcPct val="100000"/>
               </a:lnSpc>
             </a:pPr>
-            <a:endParaRPr lang="es-ES" sz="1800" b="0" strike="noStrike" spc="-1">
+            <a:endParaRPr lang="es-ES" sz="1800" b="0" strike="noStrike" spc="-1" dirty="0">
               <a:solidFill>
                 <a:schemeClr val="lt1"/>
               </a:solidFill>
@@ -14172,7 +14256,7 @@
           <p:nvPr/>
         </p:nvPicPr>
         <p:blipFill>
-          <a:blip r:embed="rId2"/>
+          <a:blip r:embed="rId3"/>
           <a:stretch/>
         </p:blipFill>
         <p:spPr>
@@ -14203,7 +14287,7 @@
           <p:nvPr/>
         </p:nvPicPr>
         <p:blipFill>
-          <a:blip r:embed="rId3">
+          <a:blip r:embed="rId4">
             <a:extLst>
               <a:ext uri="{28A0092B-C50C-407E-A947-70E740481C1C}">
                 <a14:useLocalDpi xmlns:a14="http://schemas.microsoft.com/office/drawing/2010/main" val="0"/>
@@ -14216,8 +14300,8 @@
         </p:blipFill>
         <p:spPr>
           <a:xfrm>
-            <a:off x="1197863" y="1334653"/>
-            <a:ext cx="4322403" cy="2551444"/>
+            <a:off x="527760" y="1204024"/>
+            <a:ext cx="4049050" cy="3251397"/>
           </a:xfrm>
           <a:prstGeom prst="rect">
             <a:avLst/>
@@ -14239,7 +14323,7 @@
           <p:nvPr/>
         </p:nvPicPr>
         <p:blipFill>
-          <a:blip r:embed="rId4">
+          <a:blip r:embed="rId5">
             <a:extLst>
               <a:ext uri="{28A0092B-C50C-407E-A947-70E740481C1C}">
                 <a14:useLocalDpi xmlns:a14="http://schemas.microsoft.com/office/drawing/2010/main" val="0"/>
@@ -14252,8 +14336,8 @@
         </p:blipFill>
         <p:spPr>
           <a:xfrm>
-            <a:off x="6671734" y="1334653"/>
-            <a:ext cx="4322403" cy="2551443"/>
+            <a:off x="4865914" y="1280519"/>
+            <a:ext cx="6873565" cy="3251397"/>
           </a:xfrm>
           <a:prstGeom prst="rect">
             <a:avLst/>
@@ -14274,8 +14358,8 @@
         </p:nvSpPr>
         <p:spPr>
           <a:xfrm>
-            <a:off x="688902" y="4111743"/>
-            <a:ext cx="10974378" cy="2308324"/>
+            <a:off x="765102" y="4786657"/>
+            <a:ext cx="10974378" cy="1815882"/>
           </a:xfrm>
           <a:prstGeom prst="rect">
             <a:avLst/>
@@ -14290,7 +14374,7 @@
           <a:p>
             <a:pPr algn="just"/>
             <a:r>
-              <a:rPr lang="es-ES" dirty="0">
+              <a:rPr lang="es-ES" sz="1600" dirty="0">
                 <a:solidFill>
                   <a:srgbClr val="582808"/>
                 </a:solidFill>
@@ -14298,7 +14382,7 @@
               <a:t>Se analizó la variable </a:t>
             </a:r>
             <a:r>
-              <a:rPr lang="es-ES" dirty="0" err="1">
+              <a:rPr lang="es-ES" sz="1600" dirty="0" err="1">
                 <a:solidFill>
                   <a:srgbClr val="582808"/>
                 </a:solidFill>
@@ -14306,7 +14390,7 @@
               <a:t>minimum_nights</a:t>
             </a:r>
             <a:r>
-              <a:rPr lang="es-ES" dirty="0">
+              <a:rPr lang="es-ES" sz="1600" dirty="0">
                 <a:solidFill>
                   <a:srgbClr val="582808"/>
                 </a:solidFill>
@@ -14314,7 +14398,7 @@
               <a:t> (noches mínimas exigidas para reservar) para explorar posibles patrones por distrito: primero con un histograma (acotado a 1–30 noches para interpretar mejor la distribución) y después con un </a:t>
             </a:r>
             <a:r>
-              <a:rPr lang="es-ES" dirty="0" err="1">
+              <a:rPr lang="es-ES" sz="1600" dirty="0" err="1">
                 <a:solidFill>
                   <a:srgbClr val="582808"/>
                 </a:solidFill>
@@ -14322,7 +14406,7 @@
               <a:t>scatter</a:t>
             </a:r>
             <a:r>
-              <a:rPr lang="es-ES" dirty="0">
+              <a:rPr lang="es-ES" sz="1600" dirty="0">
                 <a:solidFill>
                   <a:srgbClr val="582808"/>
                 </a:solidFill>
